--- a/ppt 16-9/0370.全新的你.pptx
+++ b/ppt 16-9/0370.全新的你.pptx
@@ -5,7 +5,7 @@
     <p:sldMasterId id="2147483648" r:id="rId1"/>
   </p:sldMasterIdLst>
   <p:sldIdLst>
-    <p:sldId id="3282" r:id="rId2"/>
+    <p:sldId id="3283" r:id="rId2"/>
   </p:sldIdLst>
   <p:sldSz cx="12192000" cy="6858000"/>
   <p:notesSz cx="6858000" cy="9144000"/>
@@ -129,7 +129,7 @@
           <p:cNvPr id="2" name="标题 1">
             <a:extLst>
               <a:ext uri="{FF2B5EF4-FFF2-40B4-BE49-F238E27FC236}">
-                <a16:creationId xmlns:a16="http://schemas.microsoft.com/office/drawing/2014/main" id="{B6BC4C6D-2448-C4A9-3E93-DD3ED1915AE5}"/>
+                <a16:creationId xmlns:a16="http://schemas.microsoft.com/office/drawing/2014/main" id="{A8BCD7F0-5546-5CFE-C392-2C51B7A20E5B}"/>
               </a:ext>
             </a:extLst>
           </p:cNvPr>
@@ -166,7 +166,7 @@
           <p:cNvPr id="3" name="副标题 2">
             <a:extLst>
               <a:ext uri="{FF2B5EF4-FFF2-40B4-BE49-F238E27FC236}">
-                <a16:creationId xmlns:a16="http://schemas.microsoft.com/office/drawing/2014/main" id="{9C624BF8-59C2-A1C0-C262-87121FC29C6E}"/>
+                <a16:creationId xmlns:a16="http://schemas.microsoft.com/office/drawing/2014/main" id="{CD80432A-D8AA-A65E-2D9E-06CF7308745A}"/>
               </a:ext>
             </a:extLst>
           </p:cNvPr>
@@ -236,7 +236,7 @@
           <p:cNvPr id="4" name="日期占位符 3">
             <a:extLst>
               <a:ext uri="{FF2B5EF4-FFF2-40B4-BE49-F238E27FC236}">
-                <a16:creationId xmlns:a16="http://schemas.microsoft.com/office/drawing/2014/main" id="{6C7B05B9-3FFA-0DD3-35AC-A942500B2A51}"/>
+                <a16:creationId xmlns:a16="http://schemas.microsoft.com/office/drawing/2014/main" id="{24D8035C-42A2-6D18-5420-326E343E2820}"/>
               </a:ext>
             </a:extLst>
           </p:cNvPr>
@@ -252,7 +252,7 @@
           <a:bodyPr/>
           <a:lstStyle/>
           <a:p>
-            <a:fld id="{B98C9107-ABC5-44EB-9BA8-77AB57B7A048}" type="datetimeFigureOut">
+            <a:fld id="{DCABC7CA-487C-4890-BC14-13C4E76A46BA}" type="datetimeFigureOut">
               <a:rPr lang="zh-CN" altLang="en-US" smtClean="0"/>
               <a:t>2024/3/10</a:t>
             </a:fld>
@@ -265,7 +265,7 @@
           <p:cNvPr id="5" name="页脚占位符 4">
             <a:extLst>
               <a:ext uri="{FF2B5EF4-FFF2-40B4-BE49-F238E27FC236}">
-                <a16:creationId xmlns:a16="http://schemas.microsoft.com/office/drawing/2014/main" id="{13D280D3-17DA-52B2-BA9B-692FA8EF47E2}"/>
+                <a16:creationId xmlns:a16="http://schemas.microsoft.com/office/drawing/2014/main" id="{3DA20C51-96A4-0099-4F30-C9A5B0F69F40}"/>
               </a:ext>
             </a:extLst>
           </p:cNvPr>
@@ -290,7 +290,7 @@
           <p:cNvPr id="6" name="灯片编号占位符 5">
             <a:extLst>
               <a:ext uri="{FF2B5EF4-FFF2-40B4-BE49-F238E27FC236}">
-                <a16:creationId xmlns:a16="http://schemas.microsoft.com/office/drawing/2014/main" id="{43404FC8-6F5B-41F4-A27B-980A50CAE44D}"/>
+                <a16:creationId xmlns:a16="http://schemas.microsoft.com/office/drawing/2014/main" id="{2F764FA6-B19F-778C-6D97-E06A6E7B9F33}"/>
               </a:ext>
             </a:extLst>
           </p:cNvPr>
@@ -306,7 +306,7 @@
           <a:bodyPr/>
           <a:lstStyle/>
           <a:p>
-            <a:fld id="{C65C1011-06D7-43E1-B0E7-68ADA64CC870}" type="slidenum">
+            <a:fld id="{7C0A7A1A-CD61-48B4-BBC6-0CE35AFACCB7}" type="slidenum">
               <a:rPr lang="zh-CN" altLang="en-US" smtClean="0"/>
               <a:t>‹#›</a:t>
             </a:fld>
@@ -317,7 +317,7 @@
     </p:spTree>
     <p:extLst>
       <p:ext uri="{BB962C8B-B14F-4D97-AF65-F5344CB8AC3E}">
-        <p14:creationId xmlns:p14="http://schemas.microsoft.com/office/powerpoint/2010/main" val="4014301324"/>
+        <p14:creationId xmlns:p14="http://schemas.microsoft.com/office/powerpoint/2010/main" val="151749920"/>
       </p:ext>
     </p:extLst>
   </p:cSld>
@@ -349,7 +349,7 @@
           <p:cNvPr id="2" name="标题 1">
             <a:extLst>
               <a:ext uri="{FF2B5EF4-FFF2-40B4-BE49-F238E27FC236}">
-                <a16:creationId xmlns:a16="http://schemas.microsoft.com/office/drawing/2014/main" id="{4CF2500B-807B-0C19-5BF0-608126A7F10F}"/>
+                <a16:creationId xmlns:a16="http://schemas.microsoft.com/office/drawing/2014/main" id="{13042196-175E-2B1B-43EF-F9FF9E0B1ABA}"/>
               </a:ext>
             </a:extLst>
           </p:cNvPr>
@@ -377,7 +377,7 @@
           <p:cNvPr id="3" name="竖排文字占位符 2">
             <a:extLst>
               <a:ext uri="{FF2B5EF4-FFF2-40B4-BE49-F238E27FC236}">
-                <a16:creationId xmlns:a16="http://schemas.microsoft.com/office/drawing/2014/main" id="{45666A13-4A9A-8254-9E6C-87D39C5609B5}"/>
+                <a16:creationId xmlns:a16="http://schemas.microsoft.com/office/drawing/2014/main" id="{6B1A2446-27B8-C46F-229A-745525CC2D7B}"/>
               </a:ext>
             </a:extLst>
           </p:cNvPr>
@@ -434,7 +434,7 @@
           <p:cNvPr id="4" name="日期占位符 3">
             <a:extLst>
               <a:ext uri="{FF2B5EF4-FFF2-40B4-BE49-F238E27FC236}">
-                <a16:creationId xmlns:a16="http://schemas.microsoft.com/office/drawing/2014/main" id="{AFA9AC1C-4BF4-294A-CEC5-6F444433A405}"/>
+                <a16:creationId xmlns:a16="http://schemas.microsoft.com/office/drawing/2014/main" id="{8FC3C205-4C14-47AE-F50A-CA6EF512C6E1}"/>
               </a:ext>
             </a:extLst>
           </p:cNvPr>
@@ -450,7 +450,7 @@
           <a:bodyPr/>
           <a:lstStyle/>
           <a:p>
-            <a:fld id="{B98C9107-ABC5-44EB-9BA8-77AB57B7A048}" type="datetimeFigureOut">
+            <a:fld id="{DCABC7CA-487C-4890-BC14-13C4E76A46BA}" type="datetimeFigureOut">
               <a:rPr lang="zh-CN" altLang="en-US" smtClean="0"/>
               <a:t>2024/3/10</a:t>
             </a:fld>
@@ -463,7 +463,7 @@
           <p:cNvPr id="5" name="页脚占位符 4">
             <a:extLst>
               <a:ext uri="{FF2B5EF4-FFF2-40B4-BE49-F238E27FC236}">
-                <a16:creationId xmlns:a16="http://schemas.microsoft.com/office/drawing/2014/main" id="{EC34861B-9E96-BF3C-B589-FFBD2E492FDA}"/>
+                <a16:creationId xmlns:a16="http://schemas.microsoft.com/office/drawing/2014/main" id="{74A50240-B388-3983-0F49-604DBABED1DB}"/>
               </a:ext>
             </a:extLst>
           </p:cNvPr>
@@ -488,7 +488,7 @@
           <p:cNvPr id="6" name="灯片编号占位符 5">
             <a:extLst>
               <a:ext uri="{FF2B5EF4-FFF2-40B4-BE49-F238E27FC236}">
-                <a16:creationId xmlns:a16="http://schemas.microsoft.com/office/drawing/2014/main" id="{1D4A7302-3351-E991-85C8-5F4A4D06C219}"/>
+                <a16:creationId xmlns:a16="http://schemas.microsoft.com/office/drawing/2014/main" id="{A072787F-5098-FCE5-FC34-6F589C01A225}"/>
               </a:ext>
             </a:extLst>
           </p:cNvPr>
@@ -504,7 +504,7 @@
           <a:bodyPr/>
           <a:lstStyle/>
           <a:p>
-            <a:fld id="{C65C1011-06D7-43E1-B0E7-68ADA64CC870}" type="slidenum">
+            <a:fld id="{7C0A7A1A-CD61-48B4-BBC6-0CE35AFACCB7}" type="slidenum">
               <a:rPr lang="zh-CN" altLang="en-US" smtClean="0"/>
               <a:t>‹#›</a:t>
             </a:fld>
@@ -515,7 +515,7 @@
     </p:spTree>
     <p:extLst>
       <p:ext uri="{BB962C8B-B14F-4D97-AF65-F5344CB8AC3E}">
-        <p14:creationId xmlns:p14="http://schemas.microsoft.com/office/powerpoint/2010/main" val="4167614389"/>
+        <p14:creationId xmlns:p14="http://schemas.microsoft.com/office/powerpoint/2010/main" val="3010414750"/>
       </p:ext>
     </p:extLst>
   </p:cSld>
@@ -547,7 +547,7 @@
           <p:cNvPr id="2" name="竖排标题 1">
             <a:extLst>
               <a:ext uri="{FF2B5EF4-FFF2-40B4-BE49-F238E27FC236}">
-                <a16:creationId xmlns:a16="http://schemas.microsoft.com/office/drawing/2014/main" id="{F7D3F7E3-183B-FB2E-1829-F67818614F54}"/>
+                <a16:creationId xmlns:a16="http://schemas.microsoft.com/office/drawing/2014/main" id="{F1FF3F3A-7436-1A57-3A4A-B2635F9F75DE}"/>
               </a:ext>
             </a:extLst>
           </p:cNvPr>
@@ -580,7 +580,7 @@
           <p:cNvPr id="3" name="竖排文字占位符 2">
             <a:extLst>
               <a:ext uri="{FF2B5EF4-FFF2-40B4-BE49-F238E27FC236}">
-                <a16:creationId xmlns:a16="http://schemas.microsoft.com/office/drawing/2014/main" id="{63E5E88C-BB2B-F2E0-AF3F-A0BB1C81ACB9}"/>
+                <a16:creationId xmlns:a16="http://schemas.microsoft.com/office/drawing/2014/main" id="{EC7F79FE-3650-BF5A-1A6E-7282D981C575}"/>
               </a:ext>
             </a:extLst>
           </p:cNvPr>
@@ -642,7 +642,7 @@
           <p:cNvPr id="4" name="日期占位符 3">
             <a:extLst>
               <a:ext uri="{FF2B5EF4-FFF2-40B4-BE49-F238E27FC236}">
-                <a16:creationId xmlns:a16="http://schemas.microsoft.com/office/drawing/2014/main" id="{630C37A0-E89E-31FA-8239-CE7BCE7A4760}"/>
+                <a16:creationId xmlns:a16="http://schemas.microsoft.com/office/drawing/2014/main" id="{7746B652-E55F-C06B-17FC-0B46C2BCB78B}"/>
               </a:ext>
             </a:extLst>
           </p:cNvPr>
@@ -658,7 +658,7 @@
           <a:bodyPr/>
           <a:lstStyle/>
           <a:p>
-            <a:fld id="{B98C9107-ABC5-44EB-9BA8-77AB57B7A048}" type="datetimeFigureOut">
+            <a:fld id="{DCABC7CA-487C-4890-BC14-13C4E76A46BA}" type="datetimeFigureOut">
               <a:rPr lang="zh-CN" altLang="en-US" smtClean="0"/>
               <a:t>2024/3/10</a:t>
             </a:fld>
@@ -671,7 +671,7 @@
           <p:cNvPr id="5" name="页脚占位符 4">
             <a:extLst>
               <a:ext uri="{FF2B5EF4-FFF2-40B4-BE49-F238E27FC236}">
-                <a16:creationId xmlns:a16="http://schemas.microsoft.com/office/drawing/2014/main" id="{1A8ADBB2-CA76-16D8-0A4C-273A8E502667}"/>
+                <a16:creationId xmlns:a16="http://schemas.microsoft.com/office/drawing/2014/main" id="{02536449-33E4-A9DF-E42D-D87AD667826B}"/>
               </a:ext>
             </a:extLst>
           </p:cNvPr>
@@ -696,7 +696,7 @@
           <p:cNvPr id="6" name="灯片编号占位符 5">
             <a:extLst>
               <a:ext uri="{FF2B5EF4-FFF2-40B4-BE49-F238E27FC236}">
-                <a16:creationId xmlns:a16="http://schemas.microsoft.com/office/drawing/2014/main" id="{6523A3EC-5876-8ED3-6DB2-0764F3BAEFC7}"/>
+                <a16:creationId xmlns:a16="http://schemas.microsoft.com/office/drawing/2014/main" id="{A0AD1917-B982-442C-C427-D910884032B2}"/>
               </a:ext>
             </a:extLst>
           </p:cNvPr>
@@ -712,7 +712,7 @@
           <a:bodyPr/>
           <a:lstStyle/>
           <a:p>
-            <a:fld id="{C65C1011-06D7-43E1-B0E7-68ADA64CC870}" type="slidenum">
+            <a:fld id="{7C0A7A1A-CD61-48B4-BBC6-0CE35AFACCB7}" type="slidenum">
               <a:rPr lang="zh-CN" altLang="en-US" smtClean="0"/>
               <a:t>‹#›</a:t>
             </a:fld>
@@ -723,7 +723,7 @@
     </p:spTree>
     <p:extLst>
       <p:ext uri="{BB962C8B-B14F-4D97-AF65-F5344CB8AC3E}">
-        <p14:creationId xmlns:p14="http://schemas.microsoft.com/office/powerpoint/2010/main" val="1403576697"/>
+        <p14:creationId xmlns:p14="http://schemas.microsoft.com/office/powerpoint/2010/main" val="2068341414"/>
       </p:ext>
     </p:extLst>
   </p:cSld>
@@ -755,7 +755,7 @@
           <p:cNvPr id="2" name="标题 1">
             <a:extLst>
               <a:ext uri="{FF2B5EF4-FFF2-40B4-BE49-F238E27FC236}">
-                <a16:creationId xmlns:a16="http://schemas.microsoft.com/office/drawing/2014/main" id="{A9092A73-5833-AAA1-6A0A-5B366ABC9B8E}"/>
+                <a16:creationId xmlns:a16="http://schemas.microsoft.com/office/drawing/2014/main" id="{7B95422A-41D8-A464-9CEC-1ED1D2D6D036}"/>
               </a:ext>
             </a:extLst>
           </p:cNvPr>
@@ -783,7 +783,7 @@
           <p:cNvPr id="3" name="内容占位符 2">
             <a:extLst>
               <a:ext uri="{FF2B5EF4-FFF2-40B4-BE49-F238E27FC236}">
-                <a16:creationId xmlns:a16="http://schemas.microsoft.com/office/drawing/2014/main" id="{6780B309-DEA8-07B2-3B83-72E22C003A57}"/>
+                <a16:creationId xmlns:a16="http://schemas.microsoft.com/office/drawing/2014/main" id="{F8453DE4-B797-81D0-0290-857A04A5198C}"/>
               </a:ext>
             </a:extLst>
           </p:cNvPr>
@@ -840,7 +840,7 @@
           <p:cNvPr id="4" name="日期占位符 3">
             <a:extLst>
               <a:ext uri="{FF2B5EF4-FFF2-40B4-BE49-F238E27FC236}">
-                <a16:creationId xmlns:a16="http://schemas.microsoft.com/office/drawing/2014/main" id="{065FC544-1AE6-F4B3-412C-41CBB2A7B41B}"/>
+                <a16:creationId xmlns:a16="http://schemas.microsoft.com/office/drawing/2014/main" id="{35BB74F4-60D5-0AC4-7AA8-FE017433820E}"/>
               </a:ext>
             </a:extLst>
           </p:cNvPr>
@@ -856,7 +856,7 @@
           <a:bodyPr/>
           <a:lstStyle/>
           <a:p>
-            <a:fld id="{B98C9107-ABC5-44EB-9BA8-77AB57B7A048}" type="datetimeFigureOut">
+            <a:fld id="{DCABC7CA-487C-4890-BC14-13C4E76A46BA}" type="datetimeFigureOut">
               <a:rPr lang="zh-CN" altLang="en-US" smtClean="0"/>
               <a:t>2024/3/10</a:t>
             </a:fld>
@@ -869,7 +869,7 @@
           <p:cNvPr id="5" name="页脚占位符 4">
             <a:extLst>
               <a:ext uri="{FF2B5EF4-FFF2-40B4-BE49-F238E27FC236}">
-                <a16:creationId xmlns:a16="http://schemas.microsoft.com/office/drawing/2014/main" id="{DA10C26B-584F-9773-6D33-7178A772DF54}"/>
+                <a16:creationId xmlns:a16="http://schemas.microsoft.com/office/drawing/2014/main" id="{804C415F-1EE4-C216-BAD6-BB6A215CBDB3}"/>
               </a:ext>
             </a:extLst>
           </p:cNvPr>
@@ -894,7 +894,7 @@
           <p:cNvPr id="6" name="灯片编号占位符 5">
             <a:extLst>
               <a:ext uri="{FF2B5EF4-FFF2-40B4-BE49-F238E27FC236}">
-                <a16:creationId xmlns:a16="http://schemas.microsoft.com/office/drawing/2014/main" id="{E32307E9-811B-466B-EED8-6D793DF35324}"/>
+                <a16:creationId xmlns:a16="http://schemas.microsoft.com/office/drawing/2014/main" id="{23510457-DD9E-612E-A48B-5187728785A0}"/>
               </a:ext>
             </a:extLst>
           </p:cNvPr>
@@ -910,7 +910,7 @@
           <a:bodyPr/>
           <a:lstStyle/>
           <a:p>
-            <a:fld id="{C65C1011-06D7-43E1-B0E7-68ADA64CC870}" type="slidenum">
+            <a:fld id="{7C0A7A1A-CD61-48B4-BBC6-0CE35AFACCB7}" type="slidenum">
               <a:rPr lang="zh-CN" altLang="en-US" smtClean="0"/>
               <a:t>‹#›</a:t>
             </a:fld>
@@ -921,7 +921,7 @@
     </p:spTree>
     <p:extLst>
       <p:ext uri="{BB962C8B-B14F-4D97-AF65-F5344CB8AC3E}">
-        <p14:creationId xmlns:p14="http://schemas.microsoft.com/office/powerpoint/2010/main" val="2161117220"/>
+        <p14:creationId xmlns:p14="http://schemas.microsoft.com/office/powerpoint/2010/main" val="3817531101"/>
       </p:ext>
     </p:extLst>
   </p:cSld>
@@ -953,7 +953,7 @@
           <p:cNvPr id="2" name="标题 1">
             <a:extLst>
               <a:ext uri="{FF2B5EF4-FFF2-40B4-BE49-F238E27FC236}">
-                <a16:creationId xmlns:a16="http://schemas.microsoft.com/office/drawing/2014/main" id="{3CAB99AA-40F5-3DF8-198E-CFD79851D79D}"/>
+                <a16:creationId xmlns:a16="http://schemas.microsoft.com/office/drawing/2014/main" id="{09F04659-459E-3E11-A311-BA5A65C2F2B9}"/>
               </a:ext>
             </a:extLst>
           </p:cNvPr>
@@ -990,7 +990,7 @@
           <p:cNvPr id="3" name="文本占位符 2">
             <a:extLst>
               <a:ext uri="{FF2B5EF4-FFF2-40B4-BE49-F238E27FC236}">
-                <a16:creationId xmlns:a16="http://schemas.microsoft.com/office/drawing/2014/main" id="{923F8E1F-5A4D-89F8-F0B0-8D1723F26873}"/>
+                <a16:creationId xmlns:a16="http://schemas.microsoft.com/office/drawing/2014/main" id="{D5803B50-9D49-0578-FDF5-18E9C691905B}"/>
               </a:ext>
             </a:extLst>
           </p:cNvPr>
@@ -1115,7 +1115,7 @@
           <p:cNvPr id="4" name="日期占位符 3">
             <a:extLst>
               <a:ext uri="{FF2B5EF4-FFF2-40B4-BE49-F238E27FC236}">
-                <a16:creationId xmlns:a16="http://schemas.microsoft.com/office/drawing/2014/main" id="{B63FF174-D6C2-ADDA-62EF-00561035F51E}"/>
+                <a16:creationId xmlns:a16="http://schemas.microsoft.com/office/drawing/2014/main" id="{479976CB-23A8-6A05-6B43-6E2F417AECB9}"/>
               </a:ext>
             </a:extLst>
           </p:cNvPr>
@@ -1131,7 +1131,7 @@
           <a:bodyPr/>
           <a:lstStyle/>
           <a:p>
-            <a:fld id="{B98C9107-ABC5-44EB-9BA8-77AB57B7A048}" type="datetimeFigureOut">
+            <a:fld id="{DCABC7CA-487C-4890-BC14-13C4E76A46BA}" type="datetimeFigureOut">
               <a:rPr lang="zh-CN" altLang="en-US" smtClean="0"/>
               <a:t>2024/3/10</a:t>
             </a:fld>
@@ -1144,7 +1144,7 @@
           <p:cNvPr id="5" name="页脚占位符 4">
             <a:extLst>
               <a:ext uri="{FF2B5EF4-FFF2-40B4-BE49-F238E27FC236}">
-                <a16:creationId xmlns:a16="http://schemas.microsoft.com/office/drawing/2014/main" id="{5CAA44A4-8081-B23A-8FDC-CD5D96709AA7}"/>
+                <a16:creationId xmlns:a16="http://schemas.microsoft.com/office/drawing/2014/main" id="{1FB9EABB-CC30-73AB-19BF-7EBBD6DD246F}"/>
               </a:ext>
             </a:extLst>
           </p:cNvPr>
@@ -1169,7 +1169,7 @@
           <p:cNvPr id="6" name="灯片编号占位符 5">
             <a:extLst>
               <a:ext uri="{FF2B5EF4-FFF2-40B4-BE49-F238E27FC236}">
-                <a16:creationId xmlns:a16="http://schemas.microsoft.com/office/drawing/2014/main" id="{68611E80-3FAD-7DCB-8F2F-254172FD9BA3}"/>
+                <a16:creationId xmlns:a16="http://schemas.microsoft.com/office/drawing/2014/main" id="{C9E90DB1-0D1A-FB40-A965-FAA37FAD9EFD}"/>
               </a:ext>
             </a:extLst>
           </p:cNvPr>
@@ -1185,7 +1185,7 @@
           <a:bodyPr/>
           <a:lstStyle/>
           <a:p>
-            <a:fld id="{C65C1011-06D7-43E1-B0E7-68ADA64CC870}" type="slidenum">
+            <a:fld id="{7C0A7A1A-CD61-48B4-BBC6-0CE35AFACCB7}" type="slidenum">
               <a:rPr lang="zh-CN" altLang="en-US" smtClean="0"/>
               <a:t>‹#›</a:t>
             </a:fld>
@@ -1196,7 +1196,7 @@
     </p:spTree>
     <p:extLst>
       <p:ext uri="{BB962C8B-B14F-4D97-AF65-F5344CB8AC3E}">
-        <p14:creationId xmlns:p14="http://schemas.microsoft.com/office/powerpoint/2010/main" val="3043164067"/>
+        <p14:creationId xmlns:p14="http://schemas.microsoft.com/office/powerpoint/2010/main" val="2697978131"/>
       </p:ext>
     </p:extLst>
   </p:cSld>
@@ -1228,7 +1228,7 @@
           <p:cNvPr id="2" name="标题 1">
             <a:extLst>
               <a:ext uri="{FF2B5EF4-FFF2-40B4-BE49-F238E27FC236}">
-                <a16:creationId xmlns:a16="http://schemas.microsoft.com/office/drawing/2014/main" id="{FE146F65-3845-B993-7FF7-DA006554BCEE}"/>
+                <a16:creationId xmlns:a16="http://schemas.microsoft.com/office/drawing/2014/main" id="{30B89646-EF3A-674A-6CAB-01921454203C}"/>
               </a:ext>
             </a:extLst>
           </p:cNvPr>
@@ -1256,7 +1256,7 @@
           <p:cNvPr id="3" name="内容占位符 2">
             <a:extLst>
               <a:ext uri="{FF2B5EF4-FFF2-40B4-BE49-F238E27FC236}">
-                <a16:creationId xmlns:a16="http://schemas.microsoft.com/office/drawing/2014/main" id="{A2ABE4F2-3484-A55A-7653-D00A3B15E07E}"/>
+                <a16:creationId xmlns:a16="http://schemas.microsoft.com/office/drawing/2014/main" id="{B5E93BE5-2720-54EE-680C-94D5D5B444AD}"/>
               </a:ext>
             </a:extLst>
           </p:cNvPr>
@@ -1318,7 +1318,7 @@
           <p:cNvPr id="4" name="内容占位符 3">
             <a:extLst>
               <a:ext uri="{FF2B5EF4-FFF2-40B4-BE49-F238E27FC236}">
-                <a16:creationId xmlns:a16="http://schemas.microsoft.com/office/drawing/2014/main" id="{F5F856C8-B7B3-5B0D-1345-E640574F0EF3}"/>
+                <a16:creationId xmlns:a16="http://schemas.microsoft.com/office/drawing/2014/main" id="{F8263328-7F1B-EDAE-FB46-C6D5F6785CD6}"/>
               </a:ext>
             </a:extLst>
           </p:cNvPr>
@@ -1380,7 +1380,7 @@
           <p:cNvPr id="5" name="日期占位符 4">
             <a:extLst>
               <a:ext uri="{FF2B5EF4-FFF2-40B4-BE49-F238E27FC236}">
-                <a16:creationId xmlns:a16="http://schemas.microsoft.com/office/drawing/2014/main" id="{DC07D7DA-4692-56F3-5C42-1D5E13427002}"/>
+                <a16:creationId xmlns:a16="http://schemas.microsoft.com/office/drawing/2014/main" id="{CEF08D58-358B-EE13-9205-C76C1DD7F14D}"/>
               </a:ext>
             </a:extLst>
           </p:cNvPr>
@@ -1396,7 +1396,7 @@
           <a:bodyPr/>
           <a:lstStyle/>
           <a:p>
-            <a:fld id="{B98C9107-ABC5-44EB-9BA8-77AB57B7A048}" type="datetimeFigureOut">
+            <a:fld id="{DCABC7CA-487C-4890-BC14-13C4E76A46BA}" type="datetimeFigureOut">
               <a:rPr lang="zh-CN" altLang="en-US" smtClean="0"/>
               <a:t>2024/3/10</a:t>
             </a:fld>
@@ -1409,7 +1409,7 @@
           <p:cNvPr id="6" name="页脚占位符 5">
             <a:extLst>
               <a:ext uri="{FF2B5EF4-FFF2-40B4-BE49-F238E27FC236}">
-                <a16:creationId xmlns:a16="http://schemas.microsoft.com/office/drawing/2014/main" id="{0B177AF3-5F12-8CDB-D10D-381FC18279CA}"/>
+                <a16:creationId xmlns:a16="http://schemas.microsoft.com/office/drawing/2014/main" id="{97DC14F6-FD41-B29F-75CC-7E58824FEE79}"/>
               </a:ext>
             </a:extLst>
           </p:cNvPr>
@@ -1434,7 +1434,7 @@
           <p:cNvPr id="7" name="灯片编号占位符 6">
             <a:extLst>
               <a:ext uri="{FF2B5EF4-FFF2-40B4-BE49-F238E27FC236}">
-                <a16:creationId xmlns:a16="http://schemas.microsoft.com/office/drawing/2014/main" id="{47812824-5219-1481-B506-7308C1E77480}"/>
+                <a16:creationId xmlns:a16="http://schemas.microsoft.com/office/drawing/2014/main" id="{77F2EDB9-6179-5A30-81C3-CFB75944F7DE}"/>
               </a:ext>
             </a:extLst>
           </p:cNvPr>
@@ -1450,7 +1450,7 @@
           <a:bodyPr/>
           <a:lstStyle/>
           <a:p>
-            <a:fld id="{C65C1011-06D7-43E1-B0E7-68ADA64CC870}" type="slidenum">
+            <a:fld id="{7C0A7A1A-CD61-48B4-BBC6-0CE35AFACCB7}" type="slidenum">
               <a:rPr lang="zh-CN" altLang="en-US" smtClean="0"/>
               <a:t>‹#›</a:t>
             </a:fld>
@@ -1461,7 +1461,7 @@
     </p:spTree>
     <p:extLst>
       <p:ext uri="{BB962C8B-B14F-4D97-AF65-F5344CB8AC3E}">
-        <p14:creationId xmlns:p14="http://schemas.microsoft.com/office/powerpoint/2010/main" val="324284885"/>
+        <p14:creationId xmlns:p14="http://schemas.microsoft.com/office/powerpoint/2010/main" val="3656693481"/>
       </p:ext>
     </p:extLst>
   </p:cSld>
@@ -1493,7 +1493,7 @@
           <p:cNvPr id="2" name="标题 1">
             <a:extLst>
               <a:ext uri="{FF2B5EF4-FFF2-40B4-BE49-F238E27FC236}">
-                <a16:creationId xmlns:a16="http://schemas.microsoft.com/office/drawing/2014/main" id="{DD432271-22EF-79AF-C747-0FC0E6654987}"/>
+                <a16:creationId xmlns:a16="http://schemas.microsoft.com/office/drawing/2014/main" id="{7605B705-387B-B708-1560-421E2A34DD03}"/>
               </a:ext>
             </a:extLst>
           </p:cNvPr>
@@ -1526,7 +1526,7 @@
           <p:cNvPr id="3" name="文本占位符 2">
             <a:extLst>
               <a:ext uri="{FF2B5EF4-FFF2-40B4-BE49-F238E27FC236}">
-                <a16:creationId xmlns:a16="http://schemas.microsoft.com/office/drawing/2014/main" id="{A9D12BD3-BB0F-ED93-A8ED-6CAC543E95C4}"/>
+                <a16:creationId xmlns:a16="http://schemas.microsoft.com/office/drawing/2014/main" id="{0C178B7A-8FB8-68D7-B999-D71E5EC6D26E}"/>
               </a:ext>
             </a:extLst>
           </p:cNvPr>
@@ -1597,7 +1597,7 @@
           <p:cNvPr id="4" name="内容占位符 3">
             <a:extLst>
               <a:ext uri="{FF2B5EF4-FFF2-40B4-BE49-F238E27FC236}">
-                <a16:creationId xmlns:a16="http://schemas.microsoft.com/office/drawing/2014/main" id="{E4F1F7F3-62BA-4A78-56AD-1B33313F78C2}"/>
+                <a16:creationId xmlns:a16="http://schemas.microsoft.com/office/drawing/2014/main" id="{910CC2EB-A271-37C7-A957-F6AE6A1825E5}"/>
               </a:ext>
             </a:extLst>
           </p:cNvPr>
@@ -1659,7 +1659,7 @@
           <p:cNvPr id="5" name="文本占位符 4">
             <a:extLst>
               <a:ext uri="{FF2B5EF4-FFF2-40B4-BE49-F238E27FC236}">
-                <a16:creationId xmlns:a16="http://schemas.microsoft.com/office/drawing/2014/main" id="{54B133A4-D690-8529-7518-9D2F8C853973}"/>
+                <a16:creationId xmlns:a16="http://schemas.microsoft.com/office/drawing/2014/main" id="{C7574769-78CF-1772-8F1B-45A519C01D41}"/>
               </a:ext>
             </a:extLst>
           </p:cNvPr>
@@ -1730,7 +1730,7 @@
           <p:cNvPr id="6" name="内容占位符 5">
             <a:extLst>
               <a:ext uri="{FF2B5EF4-FFF2-40B4-BE49-F238E27FC236}">
-                <a16:creationId xmlns:a16="http://schemas.microsoft.com/office/drawing/2014/main" id="{4B422ADC-72FA-4492-C944-A3F863E9240D}"/>
+                <a16:creationId xmlns:a16="http://schemas.microsoft.com/office/drawing/2014/main" id="{F47AC254-4BFF-8E1E-C67C-58FB0C923665}"/>
               </a:ext>
             </a:extLst>
           </p:cNvPr>
@@ -1792,7 +1792,7 @@
           <p:cNvPr id="7" name="日期占位符 6">
             <a:extLst>
               <a:ext uri="{FF2B5EF4-FFF2-40B4-BE49-F238E27FC236}">
-                <a16:creationId xmlns:a16="http://schemas.microsoft.com/office/drawing/2014/main" id="{B714A751-C16F-DFE9-CE5D-79DF0A3D7A75}"/>
+                <a16:creationId xmlns:a16="http://schemas.microsoft.com/office/drawing/2014/main" id="{5ABD200D-2A58-64F5-699D-BBF0AC7C0CA9}"/>
               </a:ext>
             </a:extLst>
           </p:cNvPr>
@@ -1808,7 +1808,7 @@
           <a:bodyPr/>
           <a:lstStyle/>
           <a:p>
-            <a:fld id="{B98C9107-ABC5-44EB-9BA8-77AB57B7A048}" type="datetimeFigureOut">
+            <a:fld id="{DCABC7CA-487C-4890-BC14-13C4E76A46BA}" type="datetimeFigureOut">
               <a:rPr lang="zh-CN" altLang="en-US" smtClean="0"/>
               <a:t>2024/3/10</a:t>
             </a:fld>
@@ -1821,7 +1821,7 @@
           <p:cNvPr id="8" name="页脚占位符 7">
             <a:extLst>
               <a:ext uri="{FF2B5EF4-FFF2-40B4-BE49-F238E27FC236}">
-                <a16:creationId xmlns:a16="http://schemas.microsoft.com/office/drawing/2014/main" id="{B9721A21-9856-5E55-A315-B56C03ABFE2D}"/>
+                <a16:creationId xmlns:a16="http://schemas.microsoft.com/office/drawing/2014/main" id="{25A67F5E-058A-2D4C-F9D3-312C1522E8A1}"/>
               </a:ext>
             </a:extLst>
           </p:cNvPr>
@@ -1846,7 +1846,7 @@
           <p:cNvPr id="9" name="灯片编号占位符 8">
             <a:extLst>
               <a:ext uri="{FF2B5EF4-FFF2-40B4-BE49-F238E27FC236}">
-                <a16:creationId xmlns:a16="http://schemas.microsoft.com/office/drawing/2014/main" id="{BB58C30A-5B3B-E80C-E64C-080BCF8C7F19}"/>
+                <a16:creationId xmlns:a16="http://schemas.microsoft.com/office/drawing/2014/main" id="{612DF163-B7C1-6664-8248-92A85F41DBD6}"/>
               </a:ext>
             </a:extLst>
           </p:cNvPr>
@@ -1862,7 +1862,7 @@
           <a:bodyPr/>
           <a:lstStyle/>
           <a:p>
-            <a:fld id="{C65C1011-06D7-43E1-B0E7-68ADA64CC870}" type="slidenum">
+            <a:fld id="{7C0A7A1A-CD61-48B4-BBC6-0CE35AFACCB7}" type="slidenum">
               <a:rPr lang="zh-CN" altLang="en-US" smtClean="0"/>
               <a:t>‹#›</a:t>
             </a:fld>
@@ -1873,7 +1873,7 @@
     </p:spTree>
     <p:extLst>
       <p:ext uri="{BB962C8B-B14F-4D97-AF65-F5344CB8AC3E}">
-        <p14:creationId xmlns:p14="http://schemas.microsoft.com/office/powerpoint/2010/main" val="2654430489"/>
+        <p14:creationId xmlns:p14="http://schemas.microsoft.com/office/powerpoint/2010/main" val="3701944054"/>
       </p:ext>
     </p:extLst>
   </p:cSld>
@@ -1905,7 +1905,7 @@
           <p:cNvPr id="2" name="标题 1">
             <a:extLst>
               <a:ext uri="{FF2B5EF4-FFF2-40B4-BE49-F238E27FC236}">
-                <a16:creationId xmlns:a16="http://schemas.microsoft.com/office/drawing/2014/main" id="{E88838C1-6C17-B112-FE10-AE9A39B3D67A}"/>
+                <a16:creationId xmlns:a16="http://schemas.microsoft.com/office/drawing/2014/main" id="{E96C5A58-746B-16CA-0DE0-E6AB649286C6}"/>
               </a:ext>
             </a:extLst>
           </p:cNvPr>
@@ -1933,7 +1933,7 @@
           <p:cNvPr id="3" name="日期占位符 2">
             <a:extLst>
               <a:ext uri="{FF2B5EF4-FFF2-40B4-BE49-F238E27FC236}">
-                <a16:creationId xmlns:a16="http://schemas.microsoft.com/office/drawing/2014/main" id="{5BEDA2BB-35E1-54C6-AC81-6895115341C5}"/>
+                <a16:creationId xmlns:a16="http://schemas.microsoft.com/office/drawing/2014/main" id="{67E3D8B5-9BB5-B32B-FC87-4049F1BA4A7C}"/>
               </a:ext>
             </a:extLst>
           </p:cNvPr>
@@ -1949,7 +1949,7 @@
           <a:bodyPr/>
           <a:lstStyle/>
           <a:p>
-            <a:fld id="{B98C9107-ABC5-44EB-9BA8-77AB57B7A048}" type="datetimeFigureOut">
+            <a:fld id="{DCABC7CA-487C-4890-BC14-13C4E76A46BA}" type="datetimeFigureOut">
               <a:rPr lang="zh-CN" altLang="en-US" smtClean="0"/>
               <a:t>2024/3/10</a:t>
             </a:fld>
@@ -1962,7 +1962,7 @@
           <p:cNvPr id="4" name="页脚占位符 3">
             <a:extLst>
               <a:ext uri="{FF2B5EF4-FFF2-40B4-BE49-F238E27FC236}">
-                <a16:creationId xmlns:a16="http://schemas.microsoft.com/office/drawing/2014/main" id="{52A327EA-D26E-29EA-5AE9-62E4D724FB46}"/>
+                <a16:creationId xmlns:a16="http://schemas.microsoft.com/office/drawing/2014/main" id="{98E5AE0D-8B07-8E5B-A0D9-7E07E97C2E97}"/>
               </a:ext>
             </a:extLst>
           </p:cNvPr>
@@ -1987,7 +1987,7 @@
           <p:cNvPr id="5" name="灯片编号占位符 4">
             <a:extLst>
               <a:ext uri="{FF2B5EF4-FFF2-40B4-BE49-F238E27FC236}">
-                <a16:creationId xmlns:a16="http://schemas.microsoft.com/office/drawing/2014/main" id="{117F9B4B-5753-7674-AE53-A20F7DB60F32}"/>
+                <a16:creationId xmlns:a16="http://schemas.microsoft.com/office/drawing/2014/main" id="{20CEB1EF-072D-1A75-910C-EE5F41F1395C}"/>
               </a:ext>
             </a:extLst>
           </p:cNvPr>
@@ -2003,7 +2003,7 @@
           <a:bodyPr/>
           <a:lstStyle/>
           <a:p>
-            <a:fld id="{C65C1011-06D7-43E1-B0E7-68ADA64CC870}" type="slidenum">
+            <a:fld id="{7C0A7A1A-CD61-48B4-BBC6-0CE35AFACCB7}" type="slidenum">
               <a:rPr lang="zh-CN" altLang="en-US" smtClean="0"/>
               <a:t>‹#›</a:t>
             </a:fld>
@@ -2014,7 +2014,7 @@
     </p:spTree>
     <p:extLst>
       <p:ext uri="{BB962C8B-B14F-4D97-AF65-F5344CB8AC3E}">
-        <p14:creationId xmlns:p14="http://schemas.microsoft.com/office/powerpoint/2010/main" val="2523780258"/>
+        <p14:creationId xmlns:p14="http://schemas.microsoft.com/office/powerpoint/2010/main" val="2657932779"/>
       </p:ext>
     </p:extLst>
   </p:cSld>
@@ -2046,7 +2046,7 @@
           <p:cNvPr id="2" name="日期占位符 1">
             <a:extLst>
               <a:ext uri="{FF2B5EF4-FFF2-40B4-BE49-F238E27FC236}">
-                <a16:creationId xmlns:a16="http://schemas.microsoft.com/office/drawing/2014/main" id="{1498351A-8166-490C-C66A-BF324C749A81}"/>
+                <a16:creationId xmlns:a16="http://schemas.microsoft.com/office/drawing/2014/main" id="{0F3CAB9D-7F5F-4F74-8228-59CBFE192706}"/>
               </a:ext>
             </a:extLst>
           </p:cNvPr>
@@ -2062,7 +2062,7 @@
           <a:bodyPr/>
           <a:lstStyle/>
           <a:p>
-            <a:fld id="{B98C9107-ABC5-44EB-9BA8-77AB57B7A048}" type="datetimeFigureOut">
+            <a:fld id="{DCABC7CA-487C-4890-BC14-13C4E76A46BA}" type="datetimeFigureOut">
               <a:rPr lang="zh-CN" altLang="en-US" smtClean="0"/>
               <a:t>2024/3/10</a:t>
             </a:fld>
@@ -2075,7 +2075,7 @@
           <p:cNvPr id="3" name="页脚占位符 2">
             <a:extLst>
               <a:ext uri="{FF2B5EF4-FFF2-40B4-BE49-F238E27FC236}">
-                <a16:creationId xmlns:a16="http://schemas.microsoft.com/office/drawing/2014/main" id="{80D778FB-7366-122C-37A1-46316B288305}"/>
+                <a16:creationId xmlns:a16="http://schemas.microsoft.com/office/drawing/2014/main" id="{8D9EB9A4-46F1-D6E1-4B7B-9635865B8FFB}"/>
               </a:ext>
             </a:extLst>
           </p:cNvPr>
@@ -2100,7 +2100,7 @@
           <p:cNvPr id="4" name="灯片编号占位符 3">
             <a:extLst>
               <a:ext uri="{FF2B5EF4-FFF2-40B4-BE49-F238E27FC236}">
-                <a16:creationId xmlns:a16="http://schemas.microsoft.com/office/drawing/2014/main" id="{88D186A5-EC8F-4520-8472-4B01FD0DCC70}"/>
+                <a16:creationId xmlns:a16="http://schemas.microsoft.com/office/drawing/2014/main" id="{E30BE5E2-ED23-C2E6-75BA-92CCE0147A60}"/>
               </a:ext>
             </a:extLst>
           </p:cNvPr>
@@ -2116,7 +2116,7 @@
           <a:bodyPr/>
           <a:lstStyle/>
           <a:p>
-            <a:fld id="{C65C1011-06D7-43E1-B0E7-68ADA64CC870}" type="slidenum">
+            <a:fld id="{7C0A7A1A-CD61-48B4-BBC6-0CE35AFACCB7}" type="slidenum">
               <a:rPr lang="zh-CN" altLang="en-US" smtClean="0"/>
               <a:t>‹#›</a:t>
             </a:fld>
@@ -2127,7 +2127,7 @@
     </p:spTree>
     <p:extLst>
       <p:ext uri="{BB962C8B-B14F-4D97-AF65-F5344CB8AC3E}">
-        <p14:creationId xmlns:p14="http://schemas.microsoft.com/office/powerpoint/2010/main" val="453907867"/>
+        <p14:creationId xmlns:p14="http://schemas.microsoft.com/office/powerpoint/2010/main" val="2731361946"/>
       </p:ext>
     </p:extLst>
   </p:cSld>
@@ -2159,7 +2159,7 @@
           <p:cNvPr id="2" name="标题 1">
             <a:extLst>
               <a:ext uri="{FF2B5EF4-FFF2-40B4-BE49-F238E27FC236}">
-                <a16:creationId xmlns:a16="http://schemas.microsoft.com/office/drawing/2014/main" id="{3AE9DDB7-ACD9-FD04-1239-E356AC5E76F3}"/>
+                <a16:creationId xmlns:a16="http://schemas.microsoft.com/office/drawing/2014/main" id="{AF0B4A96-E661-2AA2-DF8F-1A0BA52C62F4}"/>
               </a:ext>
             </a:extLst>
           </p:cNvPr>
@@ -2196,7 +2196,7 @@
           <p:cNvPr id="3" name="内容占位符 2">
             <a:extLst>
               <a:ext uri="{FF2B5EF4-FFF2-40B4-BE49-F238E27FC236}">
-                <a16:creationId xmlns:a16="http://schemas.microsoft.com/office/drawing/2014/main" id="{7E01A13B-7A23-42C0-6B20-2DC457E8C578}"/>
+                <a16:creationId xmlns:a16="http://schemas.microsoft.com/office/drawing/2014/main" id="{62E3FDD3-D1DB-A325-57FC-6A7B16B9CC15}"/>
               </a:ext>
             </a:extLst>
           </p:cNvPr>
@@ -2286,7 +2286,7 @@
           <p:cNvPr id="4" name="文本占位符 3">
             <a:extLst>
               <a:ext uri="{FF2B5EF4-FFF2-40B4-BE49-F238E27FC236}">
-                <a16:creationId xmlns:a16="http://schemas.microsoft.com/office/drawing/2014/main" id="{A86B7F0E-782D-8A2C-DBC0-E366D2D6D750}"/>
+                <a16:creationId xmlns:a16="http://schemas.microsoft.com/office/drawing/2014/main" id="{D20E0D0B-33A4-F16F-2678-A23C6CA95BFB}"/>
               </a:ext>
             </a:extLst>
           </p:cNvPr>
@@ -2357,7 +2357,7 @@
           <p:cNvPr id="5" name="日期占位符 4">
             <a:extLst>
               <a:ext uri="{FF2B5EF4-FFF2-40B4-BE49-F238E27FC236}">
-                <a16:creationId xmlns:a16="http://schemas.microsoft.com/office/drawing/2014/main" id="{CE7345CD-FA84-1901-7E2E-BF8801D86E92}"/>
+                <a16:creationId xmlns:a16="http://schemas.microsoft.com/office/drawing/2014/main" id="{4923E3FB-1FE5-FBAB-E5DC-FA05120CE37B}"/>
               </a:ext>
             </a:extLst>
           </p:cNvPr>
@@ -2373,7 +2373,7 @@
           <a:bodyPr/>
           <a:lstStyle/>
           <a:p>
-            <a:fld id="{B98C9107-ABC5-44EB-9BA8-77AB57B7A048}" type="datetimeFigureOut">
+            <a:fld id="{DCABC7CA-487C-4890-BC14-13C4E76A46BA}" type="datetimeFigureOut">
               <a:rPr lang="zh-CN" altLang="en-US" smtClean="0"/>
               <a:t>2024/3/10</a:t>
             </a:fld>
@@ -2386,7 +2386,7 @@
           <p:cNvPr id="6" name="页脚占位符 5">
             <a:extLst>
               <a:ext uri="{FF2B5EF4-FFF2-40B4-BE49-F238E27FC236}">
-                <a16:creationId xmlns:a16="http://schemas.microsoft.com/office/drawing/2014/main" id="{FF48822B-6457-F52D-4A89-25BFC18263A5}"/>
+                <a16:creationId xmlns:a16="http://schemas.microsoft.com/office/drawing/2014/main" id="{B5DCFBC2-E563-FE83-31A0-5416E928BAF5}"/>
               </a:ext>
             </a:extLst>
           </p:cNvPr>
@@ -2411,7 +2411,7 @@
           <p:cNvPr id="7" name="灯片编号占位符 6">
             <a:extLst>
               <a:ext uri="{FF2B5EF4-FFF2-40B4-BE49-F238E27FC236}">
-                <a16:creationId xmlns:a16="http://schemas.microsoft.com/office/drawing/2014/main" id="{DAF089B9-7B0E-1D84-2C75-170A7EBB56B9}"/>
+                <a16:creationId xmlns:a16="http://schemas.microsoft.com/office/drawing/2014/main" id="{2003D2D2-5FDE-F8D9-E69D-E7F169200EDA}"/>
               </a:ext>
             </a:extLst>
           </p:cNvPr>
@@ -2427,7 +2427,7 @@
           <a:bodyPr/>
           <a:lstStyle/>
           <a:p>
-            <a:fld id="{C65C1011-06D7-43E1-B0E7-68ADA64CC870}" type="slidenum">
+            <a:fld id="{7C0A7A1A-CD61-48B4-BBC6-0CE35AFACCB7}" type="slidenum">
               <a:rPr lang="zh-CN" altLang="en-US" smtClean="0"/>
               <a:t>‹#›</a:t>
             </a:fld>
@@ -2438,7 +2438,7 @@
     </p:spTree>
     <p:extLst>
       <p:ext uri="{BB962C8B-B14F-4D97-AF65-F5344CB8AC3E}">
-        <p14:creationId xmlns:p14="http://schemas.microsoft.com/office/powerpoint/2010/main" val="3028459368"/>
+        <p14:creationId xmlns:p14="http://schemas.microsoft.com/office/powerpoint/2010/main" val="52730715"/>
       </p:ext>
     </p:extLst>
   </p:cSld>
@@ -2470,7 +2470,7 @@
           <p:cNvPr id="2" name="标题 1">
             <a:extLst>
               <a:ext uri="{FF2B5EF4-FFF2-40B4-BE49-F238E27FC236}">
-                <a16:creationId xmlns:a16="http://schemas.microsoft.com/office/drawing/2014/main" id="{41FCF6BD-A326-216E-C08C-438173F6D560}"/>
+                <a16:creationId xmlns:a16="http://schemas.microsoft.com/office/drawing/2014/main" id="{9D47FDF0-452E-5D0E-B6D3-F49EB4138273}"/>
               </a:ext>
             </a:extLst>
           </p:cNvPr>
@@ -2507,7 +2507,7 @@
           <p:cNvPr id="3" name="图片占位符 2">
             <a:extLst>
               <a:ext uri="{FF2B5EF4-FFF2-40B4-BE49-F238E27FC236}">
-                <a16:creationId xmlns:a16="http://schemas.microsoft.com/office/drawing/2014/main" id="{8F59F2FD-53F2-90EB-ED39-9E571675CB2D}"/>
+                <a16:creationId xmlns:a16="http://schemas.microsoft.com/office/drawing/2014/main" id="{77ACD4B9-02EB-F5AD-6E33-9C1D5020B2BF}"/>
               </a:ext>
             </a:extLst>
           </p:cNvPr>
@@ -2574,7 +2574,7 @@
           <p:cNvPr id="4" name="文本占位符 3">
             <a:extLst>
               <a:ext uri="{FF2B5EF4-FFF2-40B4-BE49-F238E27FC236}">
-                <a16:creationId xmlns:a16="http://schemas.microsoft.com/office/drawing/2014/main" id="{23122562-46CC-4B67-F200-12F3C72E262B}"/>
+                <a16:creationId xmlns:a16="http://schemas.microsoft.com/office/drawing/2014/main" id="{74D37D4D-71C4-6B3C-AFAF-2F833E2E1B24}"/>
               </a:ext>
             </a:extLst>
           </p:cNvPr>
@@ -2645,7 +2645,7 @@
           <p:cNvPr id="5" name="日期占位符 4">
             <a:extLst>
               <a:ext uri="{FF2B5EF4-FFF2-40B4-BE49-F238E27FC236}">
-                <a16:creationId xmlns:a16="http://schemas.microsoft.com/office/drawing/2014/main" id="{8C4621B2-1D30-86C4-943C-F5072EAFF2A6}"/>
+                <a16:creationId xmlns:a16="http://schemas.microsoft.com/office/drawing/2014/main" id="{16633863-2C9D-75D6-72D7-CCC3D7C543B0}"/>
               </a:ext>
             </a:extLst>
           </p:cNvPr>
@@ -2661,7 +2661,7 @@
           <a:bodyPr/>
           <a:lstStyle/>
           <a:p>
-            <a:fld id="{B98C9107-ABC5-44EB-9BA8-77AB57B7A048}" type="datetimeFigureOut">
+            <a:fld id="{DCABC7CA-487C-4890-BC14-13C4E76A46BA}" type="datetimeFigureOut">
               <a:rPr lang="zh-CN" altLang="en-US" smtClean="0"/>
               <a:t>2024/3/10</a:t>
             </a:fld>
@@ -2674,7 +2674,7 @@
           <p:cNvPr id="6" name="页脚占位符 5">
             <a:extLst>
               <a:ext uri="{FF2B5EF4-FFF2-40B4-BE49-F238E27FC236}">
-                <a16:creationId xmlns:a16="http://schemas.microsoft.com/office/drawing/2014/main" id="{0D9F7665-ECD1-FF2F-8FA9-8C9994FB9B1D}"/>
+                <a16:creationId xmlns:a16="http://schemas.microsoft.com/office/drawing/2014/main" id="{E4DB0C51-2F54-9287-FDC5-1DD805E0015C}"/>
               </a:ext>
             </a:extLst>
           </p:cNvPr>
@@ -2699,7 +2699,7 @@
           <p:cNvPr id="7" name="灯片编号占位符 6">
             <a:extLst>
               <a:ext uri="{FF2B5EF4-FFF2-40B4-BE49-F238E27FC236}">
-                <a16:creationId xmlns:a16="http://schemas.microsoft.com/office/drawing/2014/main" id="{BA7FBCE0-5659-F882-7C5B-6E2C9EAFC92C}"/>
+                <a16:creationId xmlns:a16="http://schemas.microsoft.com/office/drawing/2014/main" id="{69ED6BF6-446C-31BA-9FCC-2C0161BE7E39}"/>
               </a:ext>
             </a:extLst>
           </p:cNvPr>
@@ -2715,7 +2715,7 @@
           <a:bodyPr/>
           <a:lstStyle/>
           <a:p>
-            <a:fld id="{C65C1011-06D7-43E1-B0E7-68ADA64CC870}" type="slidenum">
+            <a:fld id="{7C0A7A1A-CD61-48B4-BBC6-0CE35AFACCB7}" type="slidenum">
               <a:rPr lang="zh-CN" altLang="en-US" smtClean="0"/>
               <a:t>‹#›</a:t>
             </a:fld>
@@ -2726,7 +2726,7 @@
     </p:spTree>
     <p:extLst>
       <p:ext uri="{BB962C8B-B14F-4D97-AF65-F5344CB8AC3E}">
-        <p14:creationId xmlns:p14="http://schemas.microsoft.com/office/powerpoint/2010/main" val="244598797"/>
+        <p14:creationId xmlns:p14="http://schemas.microsoft.com/office/powerpoint/2010/main" val="3370988328"/>
       </p:ext>
     </p:extLst>
   </p:cSld>
@@ -2763,7 +2763,7 @@
           <p:cNvPr id="2" name="标题占位符 1">
             <a:extLst>
               <a:ext uri="{FF2B5EF4-FFF2-40B4-BE49-F238E27FC236}">
-                <a16:creationId xmlns:a16="http://schemas.microsoft.com/office/drawing/2014/main" id="{E108D656-A4F5-1FED-CDBD-E7B6FD9655C0}"/>
+                <a16:creationId xmlns:a16="http://schemas.microsoft.com/office/drawing/2014/main" id="{700A2751-1909-9D3A-7351-8110B01A0D4D}"/>
               </a:ext>
             </a:extLst>
           </p:cNvPr>
@@ -2801,7 +2801,7 @@
           <p:cNvPr id="3" name="文本占位符 2">
             <a:extLst>
               <a:ext uri="{FF2B5EF4-FFF2-40B4-BE49-F238E27FC236}">
-                <a16:creationId xmlns:a16="http://schemas.microsoft.com/office/drawing/2014/main" id="{E67F1974-6EEC-BE23-B3FB-EE8EB8B2EF0D}"/>
+                <a16:creationId xmlns:a16="http://schemas.microsoft.com/office/drawing/2014/main" id="{17AA36C2-673C-2CD1-8200-C23D8DD56F36}"/>
               </a:ext>
             </a:extLst>
           </p:cNvPr>
@@ -2868,7 +2868,7 @@
           <p:cNvPr id="4" name="日期占位符 3">
             <a:extLst>
               <a:ext uri="{FF2B5EF4-FFF2-40B4-BE49-F238E27FC236}">
-                <a16:creationId xmlns:a16="http://schemas.microsoft.com/office/drawing/2014/main" id="{9515D876-333F-FE18-E874-33469396D5D9}"/>
+                <a16:creationId xmlns:a16="http://schemas.microsoft.com/office/drawing/2014/main" id="{1518BB24-2B0B-68F2-632E-763C4421F170}"/>
               </a:ext>
             </a:extLst>
           </p:cNvPr>
@@ -2902,7 +2902,7 @@
             </a:lvl1pPr>
           </a:lstStyle>
           <a:p>
-            <a:fld id="{B98C9107-ABC5-44EB-9BA8-77AB57B7A048}" type="datetimeFigureOut">
+            <a:fld id="{DCABC7CA-487C-4890-BC14-13C4E76A46BA}" type="datetimeFigureOut">
               <a:rPr lang="zh-CN" altLang="en-US" smtClean="0"/>
               <a:t>2024/3/10</a:t>
             </a:fld>
@@ -2915,7 +2915,7 @@
           <p:cNvPr id="5" name="页脚占位符 4">
             <a:extLst>
               <a:ext uri="{FF2B5EF4-FFF2-40B4-BE49-F238E27FC236}">
-                <a16:creationId xmlns:a16="http://schemas.microsoft.com/office/drawing/2014/main" id="{1BB7512D-AD26-A121-9DBE-81D0049C0760}"/>
+                <a16:creationId xmlns:a16="http://schemas.microsoft.com/office/drawing/2014/main" id="{880B243C-D059-3906-A246-998CFEB9F13D}"/>
               </a:ext>
             </a:extLst>
           </p:cNvPr>
@@ -2958,7 +2958,7 @@
           <p:cNvPr id="6" name="灯片编号占位符 5">
             <a:extLst>
               <a:ext uri="{FF2B5EF4-FFF2-40B4-BE49-F238E27FC236}">
-                <a16:creationId xmlns:a16="http://schemas.microsoft.com/office/drawing/2014/main" id="{8AD6D287-AE66-2843-B513-C97A211DE526}"/>
+                <a16:creationId xmlns:a16="http://schemas.microsoft.com/office/drawing/2014/main" id="{47E19048-6F67-7B2F-157E-5C7F8BC9CA1C}"/>
               </a:ext>
             </a:extLst>
           </p:cNvPr>
@@ -2992,7 +2992,7 @@
             </a:lvl1pPr>
           </a:lstStyle>
           <a:p>
-            <a:fld id="{C65C1011-06D7-43E1-B0E7-68ADA64CC870}" type="slidenum">
+            <a:fld id="{7C0A7A1A-CD61-48B4-BBC6-0CE35AFACCB7}" type="slidenum">
               <a:rPr lang="zh-CN" altLang="en-US" smtClean="0"/>
               <a:t>‹#›</a:t>
             </a:fld>
@@ -3003,7 +3003,7 @@
     </p:spTree>
     <p:extLst>
       <p:ext uri="{BB962C8B-B14F-4D97-AF65-F5344CB8AC3E}">
-        <p14:creationId xmlns:p14="http://schemas.microsoft.com/office/powerpoint/2010/main" val="1375754277"/>
+        <p14:creationId xmlns:p14="http://schemas.microsoft.com/office/powerpoint/2010/main" val="2842533641"/>
       </p:ext>
     </p:extLst>
   </p:cSld>
@@ -3323,7 +3323,7 @@
       </p:grpSpPr>
       <p:pic>
         <p:nvPicPr>
-          <p:cNvPr id="378882" name="Picture 2" descr="369"/>
+          <p:cNvPr id="379906" name="Picture 2" descr="370"/>
           <p:cNvPicPr>
             <a:picLocks noChangeAspect="1" noChangeArrowheads="1"/>
           </p:cNvPicPr>
@@ -3344,8 +3344,8 @@
         </p:blipFill>
         <p:spPr bwMode="auto">
           <a:xfrm>
-            <a:off x="1524000" y="1"/>
-            <a:ext cx="9144000" cy="6308725"/>
+            <a:off x="1524000" y="0"/>
+            <a:ext cx="9144000" cy="6858000"/>
           </a:xfrm>
           <a:prstGeom prst="rect">
             <a:avLst/>
